--- a/documents/projectmanagement/Praesentationen/Vorstellung_Zwischenpräsentation - Artur.pptx
+++ b/documents/projectmanagement/Praesentationen/Vorstellung_Zwischenpräsentation - Artur.pptx
@@ -27,9 +27,9 @@
     <p:sldId id="283" r:id="rId18"/>
     <p:sldId id="300" r:id="rId19"/>
     <p:sldId id="301" r:id="rId20"/>
-    <p:sldId id="306" r:id="rId21"/>
-    <p:sldId id="307" r:id="rId22"/>
-    <p:sldId id="304" r:id="rId23"/>
+    <p:sldId id="304" r:id="rId21"/>
+    <p:sldId id="306" r:id="rId22"/>
+    <p:sldId id="307" r:id="rId23"/>
     <p:sldId id="303" r:id="rId24"/>
     <p:sldId id="305" r:id="rId25"/>
   </p:sldIdLst>
@@ -9212,21 +9212,21 @@
     </dgm:pt>
   </dgm:ptLst>
   <dgm:cxnLst>
-    <dgm:cxn modelId="{850F2AF4-9E0C-4B6D-BEC2-EBFCB38F10C1}" type="presOf" srcId="{3142E19D-54ED-4D5F-B1C8-751D212DB0FB}" destId="{C893210D-4879-4DD5-B088-5D8E5992D57B}" srcOrd="0" destOrd="0" presId="urn:microsoft.com/office/officeart/2005/8/layout/radial4"/>
     <dgm:cxn modelId="{44C56E3F-36B0-4030-AA3C-D88BC78AF595}" type="presOf" srcId="{86DB323A-73DC-4D24-A083-62E001995050}" destId="{35C2A99A-00D9-4873-BF91-57CC5CDD6420}" srcOrd="0" destOrd="0" presId="urn:microsoft.com/office/officeart/2005/8/layout/radial4"/>
-    <dgm:cxn modelId="{3DCC5B69-02D3-424C-93D2-6136BAD4C4A2}" srcId="{86DB323A-73DC-4D24-A083-62E001995050}" destId="{B7247DFC-D355-448B-9214-6AA0E881009C}" srcOrd="0" destOrd="0" parTransId="{F8A5DA11-9B74-489C-A302-07D714D9CD5B}" sibTransId="{52D7B1D1-5A0E-4AA5-9DD4-1AFC8D56C813}"/>
-    <dgm:cxn modelId="{1298C251-7E4A-4B07-B619-5F579856FDB5}" srcId="{86DB323A-73DC-4D24-A083-62E001995050}" destId="{3349D365-30DD-46AC-9A03-A8D9A349A53E}" srcOrd="3" destOrd="0" parTransId="{3142E19D-54ED-4D5F-B1C8-751D212DB0FB}" sibTransId="{D9B85E9A-5C03-4B03-A981-2FB9DB12BCBE}"/>
     <dgm:cxn modelId="{8EEFC20C-60BA-4D7F-9C94-258E82EA25BE}" type="presOf" srcId="{408FBC27-3C08-474B-96FC-24A7BAF44899}" destId="{068D7405-A6C9-45DD-A710-1DEB6B3AB9DA}" srcOrd="0" destOrd="0" presId="urn:microsoft.com/office/officeart/2005/8/layout/radial4"/>
     <dgm:cxn modelId="{A9954CE5-562C-4280-9B91-0CEFCF670A2B}" type="presOf" srcId="{12C43100-EEF3-4FE1-AF2F-1BFF73DD3DB9}" destId="{FB4358FC-C359-4CA7-8DC8-E68F921B6C35}" srcOrd="0" destOrd="0" presId="urn:microsoft.com/office/officeart/2005/8/layout/radial4"/>
+    <dgm:cxn modelId="{8D1EF1AB-79A4-478B-B770-55D66312AEAE}" srcId="{85D3EFA7-8BDB-4A5A-882A-EDBF94BF3494}" destId="{86DB323A-73DC-4D24-A083-62E001995050}" srcOrd="0" destOrd="0" parTransId="{1598B80F-D235-4DD7-8B2C-88306356BAA1}" sibTransId="{194954D0-B6E5-4F2C-81EB-002B2BB93D55}"/>
+    <dgm:cxn modelId="{4CE2F67E-3E30-4454-B48D-03235F5DAEF8}" type="presOf" srcId="{B7247DFC-D355-448B-9214-6AA0E881009C}" destId="{3E011A6B-79B3-4D46-95F0-A0F03807531F}" srcOrd="0" destOrd="0" presId="urn:microsoft.com/office/officeart/2005/8/layout/radial4"/>
+    <dgm:cxn modelId="{850F2AF4-9E0C-4B6D-BEC2-EBFCB38F10C1}" type="presOf" srcId="{3142E19D-54ED-4D5F-B1C8-751D212DB0FB}" destId="{C893210D-4879-4DD5-B088-5D8E5992D57B}" srcOrd="0" destOrd="0" presId="urn:microsoft.com/office/officeart/2005/8/layout/radial4"/>
+    <dgm:cxn modelId="{AB5F8FDB-9F37-41C2-83A5-57BDA5977CF2}" type="presOf" srcId="{7AAA3B19-FAC3-4C62-9309-B2DD2BE4A6BC}" destId="{E44501EB-77DB-44A8-9500-C483F073DCB5}" srcOrd="0" destOrd="0" presId="urn:microsoft.com/office/officeart/2005/8/layout/radial4"/>
+    <dgm:cxn modelId="{DBEB4342-59D7-4AFB-92E3-AE5121EE78D4}" type="presOf" srcId="{85D3EFA7-8BDB-4A5A-882A-EDBF94BF3494}" destId="{E0431947-E99A-4790-BD89-FBCD5D78E100}" srcOrd="0" destOrd="0" presId="urn:microsoft.com/office/officeart/2005/8/layout/radial4"/>
+    <dgm:cxn modelId="{271925B9-B006-4FBB-AF8C-D8E63A32A165}" srcId="{86DB323A-73DC-4D24-A083-62E001995050}" destId="{7AAA3B19-FAC3-4C62-9309-B2DD2BE4A6BC}" srcOrd="1" destOrd="0" parTransId="{12C43100-EEF3-4FE1-AF2F-1BFF73DD3DB9}" sibTransId="{F2515C0F-FC73-44BE-A318-8DC9050BDBC3}"/>
+    <dgm:cxn modelId="{1298C251-7E4A-4B07-B619-5F579856FDB5}" srcId="{86DB323A-73DC-4D24-A083-62E001995050}" destId="{3349D365-30DD-46AC-9A03-A8D9A349A53E}" srcOrd="3" destOrd="0" parTransId="{3142E19D-54ED-4D5F-B1C8-751D212DB0FB}" sibTransId="{D9B85E9A-5C03-4B03-A981-2FB9DB12BCBE}"/>
     <dgm:cxn modelId="{09FA4538-A37D-45CF-ABE7-F72A988FA6C8}" type="presOf" srcId="{69A049EF-51F8-4472-AB1D-9DD24EA9510C}" destId="{BD417E97-5549-4F53-AAFC-AE0DAE8D6740}" srcOrd="0" destOrd="0" presId="urn:microsoft.com/office/officeart/2005/8/layout/radial4"/>
-    <dgm:cxn modelId="{4CE2F67E-3E30-4454-B48D-03235F5DAEF8}" type="presOf" srcId="{B7247DFC-D355-448B-9214-6AA0E881009C}" destId="{3E011A6B-79B3-4D46-95F0-A0F03807531F}" srcOrd="0" destOrd="0" presId="urn:microsoft.com/office/officeart/2005/8/layout/radial4"/>
-    <dgm:cxn modelId="{DBEB4342-59D7-4AFB-92E3-AE5121EE78D4}" type="presOf" srcId="{85D3EFA7-8BDB-4A5A-882A-EDBF94BF3494}" destId="{E0431947-E99A-4790-BD89-FBCD5D78E100}" srcOrd="0" destOrd="0" presId="urn:microsoft.com/office/officeart/2005/8/layout/radial4"/>
-    <dgm:cxn modelId="{8D1EF1AB-79A4-478B-B770-55D66312AEAE}" srcId="{85D3EFA7-8BDB-4A5A-882A-EDBF94BF3494}" destId="{86DB323A-73DC-4D24-A083-62E001995050}" srcOrd="0" destOrd="0" parTransId="{1598B80F-D235-4DD7-8B2C-88306356BAA1}" sibTransId="{194954D0-B6E5-4F2C-81EB-002B2BB93D55}"/>
+    <dgm:cxn modelId="{F3A3C72E-D9AC-4A08-9938-81F7E4BC44ED}" type="presOf" srcId="{F8A5DA11-9B74-489C-A302-07D714D9CD5B}" destId="{D40C343F-E9CC-4AE5-8A3B-5C8E2B9D3B89}" srcOrd="0" destOrd="0" presId="urn:microsoft.com/office/officeart/2005/8/layout/radial4"/>
+    <dgm:cxn modelId="{3DCC5B69-02D3-424C-93D2-6136BAD4C4A2}" srcId="{86DB323A-73DC-4D24-A083-62E001995050}" destId="{B7247DFC-D355-448B-9214-6AA0E881009C}" srcOrd="0" destOrd="0" parTransId="{F8A5DA11-9B74-489C-A302-07D714D9CD5B}" sibTransId="{52D7B1D1-5A0E-4AA5-9DD4-1AFC8D56C813}"/>
     <dgm:cxn modelId="{6B01D823-465C-4A8C-9BF1-B5C07707C5B9}" srcId="{86DB323A-73DC-4D24-A083-62E001995050}" destId="{69A049EF-51F8-4472-AB1D-9DD24EA9510C}" srcOrd="2" destOrd="0" parTransId="{408FBC27-3C08-474B-96FC-24A7BAF44899}" sibTransId="{FFBC999E-A277-4A3B-AD02-C85FC1C1DF44}"/>
-    <dgm:cxn modelId="{F3A3C72E-D9AC-4A08-9938-81F7E4BC44ED}" type="presOf" srcId="{F8A5DA11-9B74-489C-A302-07D714D9CD5B}" destId="{D40C343F-E9CC-4AE5-8A3B-5C8E2B9D3B89}" srcOrd="0" destOrd="0" presId="urn:microsoft.com/office/officeart/2005/8/layout/radial4"/>
     <dgm:cxn modelId="{CB570A2F-4AC4-4DFF-BD1F-18A57C9ADFCE}" type="presOf" srcId="{3349D365-30DD-46AC-9A03-A8D9A349A53E}" destId="{D8484C4E-C79B-412F-9987-C2485DB65F27}" srcOrd="0" destOrd="0" presId="urn:microsoft.com/office/officeart/2005/8/layout/radial4"/>
-    <dgm:cxn modelId="{271925B9-B006-4FBB-AF8C-D8E63A32A165}" srcId="{86DB323A-73DC-4D24-A083-62E001995050}" destId="{7AAA3B19-FAC3-4C62-9309-B2DD2BE4A6BC}" srcOrd="1" destOrd="0" parTransId="{12C43100-EEF3-4FE1-AF2F-1BFF73DD3DB9}" sibTransId="{F2515C0F-FC73-44BE-A318-8DC9050BDBC3}"/>
-    <dgm:cxn modelId="{AB5F8FDB-9F37-41C2-83A5-57BDA5977CF2}" type="presOf" srcId="{7AAA3B19-FAC3-4C62-9309-B2DD2BE4A6BC}" destId="{E44501EB-77DB-44A8-9500-C483F073DCB5}" srcOrd="0" destOrd="0" presId="urn:microsoft.com/office/officeart/2005/8/layout/radial4"/>
     <dgm:cxn modelId="{69E4204F-7204-47A3-8ACB-1BF93741FCE3}" type="presParOf" srcId="{E0431947-E99A-4790-BD89-FBCD5D78E100}" destId="{35C2A99A-00D9-4873-BF91-57CC5CDD6420}" srcOrd="0" destOrd="0" presId="urn:microsoft.com/office/officeart/2005/8/layout/radial4"/>
     <dgm:cxn modelId="{A92947EF-2D05-44EA-BFAD-67E7614504ED}" type="presParOf" srcId="{E0431947-E99A-4790-BD89-FBCD5D78E100}" destId="{D40C343F-E9CC-4AE5-8A3B-5C8E2B9D3B89}" srcOrd="1" destOrd="0" presId="urn:microsoft.com/office/officeart/2005/8/layout/radial4"/>
     <dgm:cxn modelId="{9795D822-FF72-455E-BEE9-E38DC6473993}" type="presParOf" srcId="{E0431947-E99A-4790-BD89-FBCD5D78E100}" destId="{3E011A6B-79B3-4D46-95F0-A0F03807531F}" srcOrd="2" destOrd="0" presId="urn:microsoft.com/office/officeart/2005/8/layout/radial4"/>
@@ -35942,26 +35942,35 @@
                                   </p:childTnLst>
                                 </p:cTn>
                               </p:par>
-                            </p:childTnLst>
-                          </p:cTn>
-                        </p:par>
-                      </p:childTnLst>
-                    </p:cTn>
-                  </p:par>
-                  <p:par>
-                    <p:cTn id="7" fill="hold">
-                      <p:stCondLst>
-                        <p:cond delay="indefinite"/>
-                      </p:stCondLst>
-                      <p:childTnLst>
-                        <p:par>
-                          <p:cTn id="8" fill="hold">
-                            <p:stCondLst>
-                              <p:cond delay="0"/>
-                            </p:stCondLst>
-                            <p:childTnLst>
                               <p:par>
-                                <p:cTn id="9" presetID="1" presetClass="entr" presetSubtype="0" fill="hold" grpId="0" nodeType="clickEffect">
+                                <p:cTn id="7" presetID="1" presetClass="entr" presetSubtype="0" fill="hold" grpId="0" nodeType="withEffect">
+                                  <p:stCondLst>
+                                    <p:cond delay="0"/>
+                                  </p:stCondLst>
+                                  <p:childTnLst>
+                                    <p:set>
+                                      <p:cBhvr>
+                                        <p:cTn id="8" dur="1" fill="hold">
+                                          <p:stCondLst>
+                                            <p:cond delay="0"/>
+                                          </p:stCondLst>
+                                        </p:cTn>
+                                        <p:tgtEl>
+                                          <p:spTgt spid="7"/>
+                                        </p:tgtEl>
+                                        <p:attrNameLst>
+                                          <p:attrName>style.visibility</p:attrName>
+                                        </p:attrNameLst>
+                                      </p:cBhvr>
+                                      <p:to>
+                                        <p:strVal val="visible"/>
+                                      </p:to>
+                                    </p:set>
+                                  </p:childTnLst>
+                                </p:cTn>
+                              </p:par>
+                              <p:par>
+                                <p:cTn id="9" presetID="1" presetClass="entr" presetSubtype="0" fill="hold" grpId="0" nodeType="withEffect">
                                   <p:stCondLst>
                                     <p:cond delay="0"/>
                                   </p:stCondLst>
@@ -35974,7 +35983,7 @@
                                           </p:stCondLst>
                                         </p:cTn>
                                         <p:tgtEl>
-                                          <p:spTgt spid="9"/>
+                                          <p:spTgt spid="8"/>
                                         </p:tgtEl>
                                         <p:attrNameLst>
                                           <p:attrName>style.visibility</p:attrName>
@@ -36019,7 +36028,7 @@
                                           </p:stCondLst>
                                         </p:cTn>
                                         <p:tgtEl>
-                                          <p:spTgt spid="7"/>
+                                          <p:spTgt spid="9"/>
                                         </p:tgtEl>
                                         <p:attrNameLst>
                                           <p:attrName>style.visibility</p:attrName>
@@ -36032,78 +36041,15 @@
                                   </p:childTnLst>
                                 </p:cTn>
                               </p:par>
-                            </p:childTnLst>
-                          </p:cTn>
-                        </p:par>
-                      </p:childTnLst>
-                    </p:cTn>
-                  </p:par>
-                  <p:par>
-                    <p:cTn id="15" fill="hold">
-                      <p:stCondLst>
-                        <p:cond delay="indefinite"/>
-                      </p:stCondLst>
-                      <p:childTnLst>
-                        <p:par>
-                          <p:cTn id="16" fill="hold">
-                            <p:stCondLst>
-                              <p:cond delay="0"/>
-                            </p:stCondLst>
-                            <p:childTnLst>
                               <p:par>
-                                <p:cTn id="17" presetID="1" presetClass="entr" presetSubtype="0" fill="hold" grpId="0" nodeType="clickEffect">
+                                <p:cTn id="15" presetID="1" presetClass="entr" presetSubtype="0" fill="hold" grpId="0" nodeType="withEffect">
                                   <p:stCondLst>
                                     <p:cond delay="0"/>
                                   </p:stCondLst>
                                   <p:childTnLst>
                                     <p:set>
                                       <p:cBhvr>
-                                        <p:cTn id="18" dur="1" fill="hold">
-                                          <p:stCondLst>
-                                            <p:cond delay="0"/>
-                                          </p:stCondLst>
-                                        </p:cTn>
-                                        <p:tgtEl>
-                                          <p:spTgt spid="8"/>
-                                        </p:tgtEl>
-                                        <p:attrNameLst>
-                                          <p:attrName>style.visibility</p:attrName>
-                                        </p:attrNameLst>
-                                      </p:cBhvr>
-                                      <p:to>
-                                        <p:strVal val="visible"/>
-                                      </p:to>
-                                    </p:set>
-                                  </p:childTnLst>
-                                </p:cTn>
-                              </p:par>
-                            </p:childTnLst>
-                          </p:cTn>
-                        </p:par>
-                      </p:childTnLst>
-                    </p:cTn>
-                  </p:par>
-                  <p:par>
-                    <p:cTn id="19" fill="hold">
-                      <p:stCondLst>
-                        <p:cond delay="indefinite"/>
-                      </p:stCondLst>
-                      <p:childTnLst>
-                        <p:par>
-                          <p:cTn id="20" fill="hold">
-                            <p:stCondLst>
-                              <p:cond delay="0"/>
-                            </p:stCondLst>
-                            <p:childTnLst>
-                              <p:par>
-                                <p:cTn id="21" presetID="1" presetClass="entr" presetSubtype="0" fill="hold" grpId="0" nodeType="clickEffect">
-                                  <p:stCondLst>
-                                    <p:cond delay="0"/>
-                                  </p:stCondLst>
-                                  <p:childTnLst>
-                                    <p:set>
-                                      <p:cBhvr>
-                                        <p:cTn id="22" dur="1" fill="hold">
+                                        <p:cTn id="16" dur="1" fill="hold">
                                           <p:stCondLst>
                                             <p:cond delay="0"/>
                                           </p:stCondLst>
@@ -36259,6 +36205,230 @@
 </file>
 
 <file path=ppt/slides/slide20.xml><?xml version="1.0" encoding="utf-8"?>
+<p:sld xmlns:a="http://schemas.openxmlformats.org/drawingml/2006/main" xmlns:r="http://schemas.openxmlformats.org/officeDocument/2006/relationships" xmlns:p="http://schemas.openxmlformats.org/presentationml/2006/main">
+  <p:cSld>
+    <p:spTree>
+      <p:nvGrpSpPr>
+        <p:cNvPr id="1" name=""/>
+        <p:cNvGrpSpPr/>
+        <p:nvPr/>
+      </p:nvGrpSpPr>
+      <p:grpSpPr>
+        <a:xfrm>
+          <a:off x="0" y="0"/>
+          <a:ext cx="0" cy="0"/>
+          <a:chOff x="0" y="0"/>
+          <a:chExt cx="0" cy="0"/>
+        </a:xfrm>
+      </p:grpSpPr>
+      <p:sp>
+        <p:nvSpPr>
+          <p:cNvPr id="2" name="Titel 1"/>
+          <p:cNvSpPr>
+            <a:spLocks noGrp="1"/>
+          </p:cNvSpPr>
+          <p:nvPr>
+            <p:ph type="title"/>
+          </p:nvPr>
+        </p:nvSpPr>
+        <p:spPr/>
+        <p:txBody>
+          <a:bodyPr/>
+          <a:lstStyle/>
+          <a:p>
+            <a:r>
+              <a:rPr lang="de-DE" dirty="0"/>
+              <a:t>Material Design</a:t>
+            </a:r>
+          </a:p>
+        </p:txBody>
+      </p:sp>
+      <p:sp>
+        <p:nvSpPr>
+          <p:cNvPr id="3" name="Inhaltsplatzhalter 2"/>
+          <p:cNvSpPr>
+            <a:spLocks noGrp="1"/>
+          </p:cNvSpPr>
+          <p:nvPr>
+            <p:ph idx="1"/>
+          </p:nvPr>
+        </p:nvSpPr>
+        <p:spPr/>
+        <p:txBody>
+          <a:bodyPr/>
+          <a:lstStyle/>
+          <a:p>
+            <a:r>
+              <a:rPr lang="de-DE" dirty="0"/>
+              <a:t>Von Google Inc. Entwickelte Designsprache </a:t>
+            </a:r>
+          </a:p>
+          <a:p>
+            <a:r>
+              <a:rPr lang="de-DE" dirty="0"/>
+              <a:t>Basiert auf</a:t>
+            </a:r>
+          </a:p>
+          <a:p>
+            <a:pPr lvl="1"/>
+            <a:r>
+              <a:rPr lang="de-DE" dirty="0"/>
+              <a:t>Kartenähnlichen Flächen</a:t>
+            </a:r>
+          </a:p>
+          <a:p>
+            <a:pPr lvl="1"/>
+            <a:r>
+              <a:rPr lang="de-DE" dirty="0"/>
+              <a:t>Flat Design (minimalistischen Gestaltungsstil)</a:t>
+            </a:r>
+          </a:p>
+          <a:p>
+            <a:pPr lvl="1"/>
+            <a:endParaRPr lang="de-DE" dirty="0"/>
+          </a:p>
+          <a:p>
+            <a:endParaRPr lang="de-DE" dirty="0"/>
+          </a:p>
+        </p:txBody>
+      </p:sp>
+      <p:pic>
+        <p:nvPicPr>
+          <p:cNvPr id="1026" name="Picture 2" descr="https://material-design.storage.googleapis.com/publish/material_v_8/material_ext_publish/0Bx4BSt6jniD7VG9DQVluOFJ4Tnc/materialdesign_principles_metaphor.png"/>
+          <p:cNvPicPr>
+            <a:picLocks noChangeAspect="1" noChangeArrowheads="1"/>
+          </p:cNvPicPr>
+          <p:nvPr/>
+        </p:nvPicPr>
+        <p:blipFill>
+          <a:blip r:embed="rId2">
+            <a:extLst>
+              <a:ext uri="{28A0092B-C50C-407E-A947-70E740481C1C}">
+                <a14:useLocalDpi xmlns:a14="http://schemas.microsoft.com/office/drawing/2010/main" val="0"/>
+              </a:ext>
+            </a:extLst>
+          </a:blip>
+          <a:srcRect/>
+          <a:stretch>
+            <a:fillRect/>
+          </a:stretch>
+        </p:blipFill>
+        <p:spPr bwMode="auto">
+          <a:xfrm>
+            <a:off x="1075592" y="4104884"/>
+            <a:ext cx="2160000" cy="2160000"/>
+          </a:xfrm>
+          <a:prstGeom prst="rect">
+            <a:avLst/>
+          </a:prstGeom>
+          <a:noFill/>
+          <a:extLst>
+            <a:ext uri="{909E8E84-426E-40DD-AFC4-6F175D3DCCD1}">
+              <a14:hiddenFill xmlns:a14="http://schemas.microsoft.com/office/drawing/2010/main">
+                <a:solidFill>
+                  <a:srgbClr val="FFFFFF"/>
+                </a:solidFill>
+              </a14:hiddenFill>
+            </a:ext>
+          </a:extLst>
+        </p:spPr>
+      </p:pic>
+      <p:pic>
+        <p:nvPicPr>
+          <p:cNvPr id="1028" name="Picture 4" descr="https://material-design.storage.googleapis.com/publish/material_v_8/material_ext_publish/0Bx4BSt6jniD7NndTQW9VZTlZV2s/materialdesign_principles_bold.png"/>
+          <p:cNvPicPr>
+            <a:picLocks noChangeAspect="1" noChangeArrowheads="1"/>
+          </p:cNvPicPr>
+          <p:nvPr/>
+        </p:nvPicPr>
+        <p:blipFill>
+          <a:blip r:embed="rId3">
+            <a:extLst>
+              <a:ext uri="{28A0092B-C50C-407E-A947-70E740481C1C}">
+                <a14:useLocalDpi xmlns:a14="http://schemas.microsoft.com/office/drawing/2010/main" val="0"/>
+              </a:ext>
+            </a:extLst>
+          </a:blip>
+          <a:srcRect/>
+          <a:stretch>
+            <a:fillRect/>
+          </a:stretch>
+        </p:blipFill>
+        <p:spPr bwMode="auto">
+          <a:xfrm>
+            <a:off x="4870471" y="4089215"/>
+            <a:ext cx="2160000" cy="2160000"/>
+          </a:xfrm>
+          <a:prstGeom prst="rect">
+            <a:avLst/>
+          </a:prstGeom>
+          <a:noFill/>
+          <a:extLst>
+            <a:ext uri="{909E8E84-426E-40DD-AFC4-6F175D3DCCD1}">
+              <a14:hiddenFill xmlns:a14="http://schemas.microsoft.com/office/drawing/2010/main">
+                <a:solidFill>
+                  <a:srgbClr val="FFFFFF"/>
+                </a:solidFill>
+              </a14:hiddenFill>
+            </a:ext>
+          </a:extLst>
+        </p:spPr>
+      </p:pic>
+      <p:pic>
+        <p:nvPicPr>
+          <p:cNvPr id="1030" name="Picture 6" descr="https://material-design.storage.googleapis.com/publish/material_v_8/material_ext_publish/0Bx4BSt6jniD7dkRYelJkeklqWFU/materialdesign_principles_motion.png"/>
+          <p:cNvPicPr>
+            <a:picLocks noChangeAspect="1" noChangeArrowheads="1"/>
+          </p:cNvPicPr>
+          <p:nvPr/>
+        </p:nvPicPr>
+        <p:blipFill>
+          <a:blip r:embed="rId4">
+            <a:extLst>
+              <a:ext uri="{28A0092B-C50C-407E-A947-70E740481C1C}">
+                <a14:useLocalDpi xmlns:a14="http://schemas.microsoft.com/office/drawing/2010/main" val="0"/>
+              </a:ext>
+            </a:extLst>
+          </a:blip>
+          <a:srcRect/>
+          <a:stretch>
+            <a:fillRect/>
+          </a:stretch>
+        </p:blipFill>
+        <p:spPr bwMode="auto">
+          <a:xfrm>
+            <a:off x="8665350" y="4104884"/>
+            <a:ext cx="2160000" cy="2160000"/>
+          </a:xfrm>
+          <a:prstGeom prst="rect">
+            <a:avLst/>
+          </a:prstGeom>
+          <a:noFill/>
+          <a:extLst>
+            <a:ext uri="{909E8E84-426E-40DD-AFC4-6F175D3DCCD1}">
+              <a14:hiddenFill xmlns:a14="http://schemas.microsoft.com/office/drawing/2010/main">
+                <a:solidFill>
+                  <a:srgbClr val="FFFFFF"/>
+                </a:solidFill>
+              </a14:hiddenFill>
+            </a:ext>
+          </a:extLst>
+        </p:spPr>
+      </p:pic>
+    </p:spTree>
+    <p:extLst>
+      <p:ext uri="{BB962C8B-B14F-4D97-AF65-F5344CB8AC3E}">
+        <p14:creationId xmlns:p14="http://schemas.microsoft.com/office/powerpoint/2010/main" val="3259832694"/>
+      </p:ext>
+    </p:extLst>
+  </p:cSld>
+  <p:clrMapOvr>
+    <a:masterClrMapping/>
+  </p:clrMapOvr>
+</p:sld>
+</file>
+
+<file path=ppt/slides/slide21.xml><?xml version="1.0" encoding="utf-8"?>
 <p:sld xmlns:a="http://schemas.openxmlformats.org/drawingml/2006/main" xmlns:r="http://schemas.openxmlformats.org/officeDocument/2006/relationships" xmlns:p="http://schemas.openxmlformats.org/presentationml/2006/main">
   <p:cSld>
     <p:spTree>
@@ -37076,261 +37246,10 @@
   <p:clrMapOvr>
     <a:masterClrMapping/>
   </p:clrMapOvr>
-  <p:timing>
-    <p:tnLst>
-      <p:par>
-        <p:cTn id="1" dur="indefinite" restart="never" nodeType="tmRoot">
-          <p:childTnLst>
-            <p:seq concurrent="1" nextAc="seek">
-              <p:cTn id="2" dur="indefinite" nodeType="mainSeq">
-                <p:childTnLst>
-                  <p:par>
-                    <p:cTn id="3" fill="hold">
-                      <p:stCondLst>
-                        <p:cond delay="indefinite"/>
-                      </p:stCondLst>
-                      <p:childTnLst>
-                        <p:par>
-                          <p:cTn id="4" fill="hold">
-                            <p:stCondLst>
-                              <p:cond delay="0"/>
-                            </p:stCondLst>
-                            <p:childTnLst>
-                              <p:par>
-                                <p:cTn id="5" presetID="1" presetClass="entr" presetSubtype="0" fill="hold" nodeType="clickEffect">
-                                  <p:stCondLst>
-                                    <p:cond delay="0"/>
-                                  </p:stCondLst>
-                                  <p:childTnLst>
-                                    <p:set>
-                                      <p:cBhvr>
-                                        <p:cTn id="6" dur="1" fill="hold">
-                                          <p:stCondLst>
-                                            <p:cond delay="0"/>
-                                          </p:stCondLst>
-                                        </p:cTn>
-                                        <p:tgtEl>
-                                          <p:spTgt spid="7"/>
-                                        </p:tgtEl>
-                                        <p:attrNameLst>
-                                          <p:attrName>style.visibility</p:attrName>
-                                        </p:attrNameLst>
-                                      </p:cBhvr>
-                                      <p:to>
-                                        <p:strVal val="visible"/>
-                                      </p:to>
-                                    </p:set>
-                                  </p:childTnLst>
-                                </p:cTn>
-                              </p:par>
-                              <p:par>
-                                <p:cTn id="7" presetID="1" presetClass="entr" presetSubtype="0" fill="hold" grpId="0" nodeType="withEffect">
-                                  <p:stCondLst>
-                                    <p:cond delay="0"/>
-                                  </p:stCondLst>
-                                  <p:childTnLst>
-                                    <p:set>
-                                      <p:cBhvr>
-                                        <p:cTn id="8" dur="1" fill="hold">
-                                          <p:stCondLst>
-                                            <p:cond delay="0"/>
-                                          </p:stCondLst>
-                                        </p:cTn>
-                                        <p:tgtEl>
-                                          <p:spTgt spid="8"/>
-                                        </p:tgtEl>
-                                        <p:attrNameLst>
-                                          <p:attrName>style.visibility</p:attrName>
-                                        </p:attrNameLst>
-                                      </p:cBhvr>
-                                      <p:to>
-                                        <p:strVal val="visible"/>
-                                      </p:to>
-                                    </p:set>
-                                  </p:childTnLst>
-                                </p:cTn>
-                              </p:par>
-                            </p:childTnLst>
-                          </p:cTn>
-                        </p:par>
-                      </p:childTnLst>
-                    </p:cTn>
-                  </p:par>
-                  <p:par>
-                    <p:cTn id="9" fill="hold">
-                      <p:stCondLst>
-                        <p:cond delay="indefinite"/>
-                      </p:stCondLst>
-                      <p:childTnLst>
-                        <p:par>
-                          <p:cTn id="10" fill="hold">
-                            <p:stCondLst>
-                              <p:cond delay="0"/>
-                            </p:stCondLst>
-                            <p:childTnLst>
-                              <p:par>
-                                <p:cTn id="11" presetID="1" presetClass="entr" presetSubtype="0" fill="hold" nodeType="clickEffect">
-                                  <p:stCondLst>
-                                    <p:cond delay="0"/>
-                                  </p:stCondLst>
-                                  <p:childTnLst>
-                                    <p:set>
-                                      <p:cBhvr>
-                                        <p:cTn id="12" dur="1" fill="hold">
-                                          <p:stCondLst>
-                                            <p:cond delay="0"/>
-                                          </p:stCondLst>
-                                        </p:cTn>
-                                        <p:tgtEl>
-                                          <p:spTgt spid="9"/>
-                                        </p:tgtEl>
-                                        <p:attrNameLst>
-                                          <p:attrName>style.visibility</p:attrName>
-                                        </p:attrNameLst>
-                                      </p:cBhvr>
-                                      <p:to>
-                                        <p:strVal val="visible"/>
-                                      </p:to>
-                                    </p:set>
-                                  </p:childTnLst>
-                                </p:cTn>
-                              </p:par>
-                              <p:par>
-                                <p:cTn id="13" presetID="1" presetClass="entr" presetSubtype="0" fill="hold" grpId="0" nodeType="withEffect">
-                                  <p:stCondLst>
-                                    <p:cond delay="0"/>
-                                  </p:stCondLst>
-                                  <p:childTnLst>
-                                    <p:set>
-                                      <p:cBhvr>
-                                        <p:cTn id="14" dur="1" fill="hold">
-                                          <p:stCondLst>
-                                            <p:cond delay="0"/>
-                                          </p:stCondLst>
-                                        </p:cTn>
-                                        <p:tgtEl>
-                                          <p:spTgt spid="10"/>
-                                        </p:tgtEl>
-                                        <p:attrNameLst>
-                                          <p:attrName>style.visibility</p:attrName>
-                                        </p:attrNameLst>
-                                      </p:cBhvr>
-                                      <p:to>
-                                        <p:strVal val="visible"/>
-                                      </p:to>
-                                    </p:set>
-                                  </p:childTnLst>
-                                </p:cTn>
-                              </p:par>
-                            </p:childTnLst>
-                          </p:cTn>
-                        </p:par>
-                      </p:childTnLst>
-                    </p:cTn>
-                  </p:par>
-                  <p:par>
-                    <p:cTn id="15" fill="hold">
-                      <p:stCondLst>
-                        <p:cond delay="indefinite"/>
-                      </p:stCondLst>
-                      <p:childTnLst>
-                        <p:par>
-                          <p:cTn id="16" fill="hold">
-                            <p:stCondLst>
-                              <p:cond delay="0"/>
-                            </p:stCondLst>
-                            <p:childTnLst>
-                              <p:par>
-                                <p:cTn id="17" presetID="1" presetClass="entr" presetSubtype="0" fill="hold" nodeType="clickEffect">
-                                  <p:stCondLst>
-                                    <p:cond delay="0"/>
-                                  </p:stCondLst>
-                                  <p:childTnLst>
-                                    <p:set>
-                                      <p:cBhvr>
-                                        <p:cTn id="18" dur="1" fill="hold">
-                                          <p:stCondLst>
-                                            <p:cond delay="0"/>
-                                          </p:stCondLst>
-                                        </p:cTn>
-                                        <p:tgtEl>
-                                          <p:spTgt spid="11"/>
-                                        </p:tgtEl>
-                                        <p:attrNameLst>
-                                          <p:attrName>style.visibility</p:attrName>
-                                        </p:attrNameLst>
-                                      </p:cBhvr>
-                                      <p:to>
-                                        <p:strVal val="visible"/>
-                                      </p:to>
-                                    </p:set>
-                                  </p:childTnLst>
-                                </p:cTn>
-                              </p:par>
-                              <p:par>
-                                <p:cTn id="19" presetID="1" presetClass="entr" presetSubtype="0" fill="hold" grpId="0" nodeType="withEffect">
-                                  <p:stCondLst>
-                                    <p:cond delay="0"/>
-                                  </p:stCondLst>
-                                  <p:childTnLst>
-                                    <p:set>
-                                      <p:cBhvr>
-                                        <p:cTn id="20" dur="1" fill="hold">
-                                          <p:stCondLst>
-                                            <p:cond delay="0"/>
-                                          </p:stCondLst>
-                                        </p:cTn>
-                                        <p:tgtEl>
-                                          <p:spTgt spid="12"/>
-                                        </p:tgtEl>
-                                        <p:attrNameLst>
-                                          <p:attrName>style.visibility</p:attrName>
-                                        </p:attrNameLst>
-                                      </p:cBhvr>
-                                      <p:to>
-                                        <p:strVal val="visible"/>
-                                      </p:to>
-                                    </p:set>
-                                  </p:childTnLst>
-                                </p:cTn>
-                              </p:par>
-                            </p:childTnLst>
-                          </p:cTn>
-                        </p:par>
-                      </p:childTnLst>
-                    </p:cTn>
-                  </p:par>
-                </p:childTnLst>
-              </p:cTn>
-              <p:prevCondLst>
-                <p:cond evt="onPrev" delay="0">
-                  <p:tgtEl>
-                    <p:sldTgt/>
-                  </p:tgtEl>
-                </p:cond>
-              </p:prevCondLst>
-              <p:nextCondLst>
-                <p:cond evt="onNext" delay="0">
-                  <p:tgtEl>
-                    <p:sldTgt/>
-                  </p:tgtEl>
-                </p:cond>
-              </p:nextCondLst>
-            </p:seq>
-          </p:childTnLst>
-        </p:cTn>
-      </p:par>
-    </p:tnLst>
-    <p:bldLst>
-      <p:bldP spid="8" grpId="0" animBg="1"/>
-      <p:bldP spid="10" grpId="0" animBg="1"/>
-      <p:bldP spid="12" grpId="0" animBg="1"/>
-    </p:bldLst>
-  </p:timing>
 </p:sld>
 </file>
 
-<file path=ppt/slides/slide21.xml><?xml version="1.0" encoding="utf-8"?>
+<file path=ppt/slides/slide22.xml><?xml version="1.0" encoding="utf-8"?>
 <p:sld xmlns:a="http://schemas.openxmlformats.org/drawingml/2006/main" xmlns:r="http://schemas.openxmlformats.org/officeDocument/2006/relationships" xmlns:p="http://schemas.openxmlformats.org/presentationml/2006/main">
   <p:cSld>
     <p:spTree>
@@ -37667,383 +37586,6 @@
       <p:bldP spid="6" grpId="0"/>
       <p:bldP spid="7" grpId="0" animBg="1"/>
     </p:bldLst>
-  </p:timing>
-</p:sld>
-</file>
-
-<file path=ppt/slides/slide22.xml><?xml version="1.0" encoding="utf-8"?>
-<p:sld xmlns:a="http://schemas.openxmlformats.org/drawingml/2006/main" xmlns:r="http://schemas.openxmlformats.org/officeDocument/2006/relationships" xmlns:p="http://schemas.openxmlformats.org/presentationml/2006/main">
-  <p:cSld>
-    <p:spTree>
-      <p:nvGrpSpPr>
-        <p:cNvPr id="1" name=""/>
-        <p:cNvGrpSpPr/>
-        <p:nvPr/>
-      </p:nvGrpSpPr>
-      <p:grpSpPr>
-        <a:xfrm>
-          <a:off x="0" y="0"/>
-          <a:ext cx="0" cy="0"/>
-          <a:chOff x="0" y="0"/>
-          <a:chExt cx="0" cy="0"/>
-        </a:xfrm>
-      </p:grpSpPr>
-      <p:sp>
-        <p:nvSpPr>
-          <p:cNvPr id="2" name="Titel 1"/>
-          <p:cNvSpPr>
-            <a:spLocks noGrp="1"/>
-          </p:cNvSpPr>
-          <p:nvPr>
-            <p:ph type="title"/>
-          </p:nvPr>
-        </p:nvSpPr>
-        <p:spPr/>
-        <p:txBody>
-          <a:bodyPr/>
-          <a:lstStyle/>
-          <a:p>
-            <a:r>
-              <a:rPr lang="de-DE" dirty="0"/>
-              <a:t>Material Design</a:t>
-            </a:r>
-          </a:p>
-        </p:txBody>
-      </p:sp>
-      <p:sp>
-        <p:nvSpPr>
-          <p:cNvPr id="3" name="Inhaltsplatzhalter 2"/>
-          <p:cNvSpPr>
-            <a:spLocks noGrp="1"/>
-          </p:cNvSpPr>
-          <p:nvPr>
-            <p:ph idx="1"/>
-          </p:nvPr>
-        </p:nvSpPr>
-        <p:spPr/>
-        <p:txBody>
-          <a:bodyPr/>
-          <a:lstStyle/>
-          <a:p>
-            <a:r>
-              <a:rPr lang="de-DE" dirty="0"/>
-              <a:t>Von Google Inc. Entwickelte Designsprache </a:t>
-            </a:r>
-          </a:p>
-          <a:p>
-            <a:r>
-              <a:rPr lang="de-DE" dirty="0"/>
-              <a:t>Basiert auf</a:t>
-            </a:r>
-          </a:p>
-          <a:p>
-            <a:pPr lvl="1"/>
-            <a:r>
-              <a:rPr lang="de-DE" dirty="0"/>
-              <a:t>Kartenähnlichen Flächen</a:t>
-            </a:r>
-          </a:p>
-          <a:p>
-            <a:pPr lvl="1"/>
-            <a:r>
-              <a:rPr lang="de-DE" dirty="0"/>
-              <a:t>Flat Design (minimalistischen Gestaltungsstil)</a:t>
-            </a:r>
-          </a:p>
-          <a:p>
-            <a:pPr lvl="1"/>
-            <a:endParaRPr lang="de-DE" dirty="0"/>
-          </a:p>
-          <a:p>
-            <a:endParaRPr lang="de-DE" dirty="0"/>
-          </a:p>
-        </p:txBody>
-      </p:sp>
-      <p:pic>
-        <p:nvPicPr>
-          <p:cNvPr id="1026" name="Picture 2" descr="https://material-design.storage.googleapis.com/publish/material_v_8/material_ext_publish/0Bx4BSt6jniD7VG9DQVluOFJ4Tnc/materialdesign_principles_metaphor.png"/>
-          <p:cNvPicPr>
-            <a:picLocks noChangeAspect="1" noChangeArrowheads="1"/>
-          </p:cNvPicPr>
-          <p:nvPr/>
-        </p:nvPicPr>
-        <p:blipFill>
-          <a:blip r:embed="rId2">
-            <a:extLst>
-              <a:ext uri="{28A0092B-C50C-407E-A947-70E740481C1C}">
-                <a14:useLocalDpi xmlns:a14="http://schemas.microsoft.com/office/drawing/2010/main" val="0"/>
-              </a:ext>
-            </a:extLst>
-          </a:blip>
-          <a:srcRect/>
-          <a:stretch>
-            <a:fillRect/>
-          </a:stretch>
-        </p:blipFill>
-        <p:spPr bwMode="auto">
-          <a:xfrm>
-            <a:off x="1075592" y="4104884"/>
-            <a:ext cx="2160000" cy="2160000"/>
-          </a:xfrm>
-          <a:prstGeom prst="rect">
-            <a:avLst/>
-          </a:prstGeom>
-          <a:noFill/>
-          <a:extLst>
-            <a:ext uri="{909E8E84-426E-40DD-AFC4-6F175D3DCCD1}">
-              <a14:hiddenFill xmlns:a14="http://schemas.microsoft.com/office/drawing/2010/main">
-                <a:solidFill>
-                  <a:srgbClr val="FFFFFF"/>
-                </a:solidFill>
-              </a14:hiddenFill>
-            </a:ext>
-          </a:extLst>
-        </p:spPr>
-      </p:pic>
-      <p:pic>
-        <p:nvPicPr>
-          <p:cNvPr id="1028" name="Picture 4" descr="https://material-design.storage.googleapis.com/publish/material_v_8/material_ext_publish/0Bx4BSt6jniD7NndTQW9VZTlZV2s/materialdesign_principles_bold.png"/>
-          <p:cNvPicPr>
-            <a:picLocks noChangeAspect="1" noChangeArrowheads="1"/>
-          </p:cNvPicPr>
-          <p:nvPr/>
-        </p:nvPicPr>
-        <p:blipFill>
-          <a:blip r:embed="rId3">
-            <a:extLst>
-              <a:ext uri="{28A0092B-C50C-407E-A947-70E740481C1C}">
-                <a14:useLocalDpi xmlns:a14="http://schemas.microsoft.com/office/drawing/2010/main" val="0"/>
-              </a:ext>
-            </a:extLst>
-          </a:blip>
-          <a:srcRect/>
-          <a:stretch>
-            <a:fillRect/>
-          </a:stretch>
-        </p:blipFill>
-        <p:spPr bwMode="auto">
-          <a:xfrm>
-            <a:off x="4870471" y="4089215"/>
-            <a:ext cx="2160000" cy="2160000"/>
-          </a:xfrm>
-          <a:prstGeom prst="rect">
-            <a:avLst/>
-          </a:prstGeom>
-          <a:noFill/>
-          <a:extLst>
-            <a:ext uri="{909E8E84-426E-40DD-AFC4-6F175D3DCCD1}">
-              <a14:hiddenFill xmlns:a14="http://schemas.microsoft.com/office/drawing/2010/main">
-                <a:solidFill>
-                  <a:srgbClr val="FFFFFF"/>
-                </a:solidFill>
-              </a14:hiddenFill>
-            </a:ext>
-          </a:extLst>
-        </p:spPr>
-      </p:pic>
-      <p:pic>
-        <p:nvPicPr>
-          <p:cNvPr id="1030" name="Picture 6" descr="https://material-design.storage.googleapis.com/publish/material_v_8/material_ext_publish/0Bx4BSt6jniD7dkRYelJkeklqWFU/materialdesign_principles_motion.png"/>
-          <p:cNvPicPr>
-            <a:picLocks noChangeAspect="1" noChangeArrowheads="1"/>
-          </p:cNvPicPr>
-          <p:nvPr/>
-        </p:nvPicPr>
-        <p:blipFill>
-          <a:blip r:embed="rId4">
-            <a:extLst>
-              <a:ext uri="{28A0092B-C50C-407E-A947-70E740481C1C}">
-                <a14:useLocalDpi xmlns:a14="http://schemas.microsoft.com/office/drawing/2010/main" val="0"/>
-              </a:ext>
-            </a:extLst>
-          </a:blip>
-          <a:srcRect/>
-          <a:stretch>
-            <a:fillRect/>
-          </a:stretch>
-        </p:blipFill>
-        <p:spPr bwMode="auto">
-          <a:xfrm>
-            <a:off x="8665350" y="4104884"/>
-            <a:ext cx="2160000" cy="2160000"/>
-          </a:xfrm>
-          <a:prstGeom prst="rect">
-            <a:avLst/>
-          </a:prstGeom>
-          <a:noFill/>
-          <a:extLst>
-            <a:ext uri="{909E8E84-426E-40DD-AFC4-6F175D3DCCD1}">
-              <a14:hiddenFill xmlns:a14="http://schemas.microsoft.com/office/drawing/2010/main">
-                <a:solidFill>
-                  <a:srgbClr val="FFFFFF"/>
-                </a:solidFill>
-              </a14:hiddenFill>
-            </a:ext>
-          </a:extLst>
-        </p:spPr>
-      </p:pic>
-    </p:spTree>
-    <p:extLst>
-      <p:ext uri="{BB962C8B-B14F-4D97-AF65-F5344CB8AC3E}">
-        <p14:creationId xmlns:p14="http://schemas.microsoft.com/office/powerpoint/2010/main" val="3259832694"/>
-      </p:ext>
-    </p:extLst>
-  </p:cSld>
-  <p:clrMapOvr>
-    <a:masterClrMapping/>
-  </p:clrMapOvr>
-  <p:timing>
-    <p:tnLst>
-      <p:par>
-        <p:cTn id="1" dur="indefinite" restart="never" nodeType="tmRoot">
-          <p:childTnLst>
-            <p:seq concurrent="1" nextAc="seek">
-              <p:cTn id="2" dur="indefinite" nodeType="mainSeq">
-                <p:childTnLst>
-                  <p:par>
-                    <p:cTn id="3" fill="hold">
-                      <p:stCondLst>
-                        <p:cond delay="indefinite"/>
-                      </p:stCondLst>
-                      <p:childTnLst>
-                        <p:par>
-                          <p:cTn id="4" fill="hold">
-                            <p:stCondLst>
-                              <p:cond delay="0"/>
-                            </p:stCondLst>
-                            <p:childTnLst>
-                              <p:par>
-                                <p:cTn id="5" presetID="10" presetClass="entr" presetSubtype="0" fill="hold" nodeType="clickEffect">
-                                  <p:stCondLst>
-                                    <p:cond delay="0"/>
-                                  </p:stCondLst>
-                                  <p:childTnLst>
-                                    <p:set>
-                                      <p:cBhvr>
-                                        <p:cTn id="6" dur="1" fill="hold">
-                                          <p:stCondLst>
-                                            <p:cond delay="0"/>
-                                          </p:stCondLst>
-                                        </p:cTn>
-                                        <p:tgtEl>
-                                          <p:spTgt spid="1026"/>
-                                        </p:tgtEl>
-                                        <p:attrNameLst>
-                                          <p:attrName>style.visibility</p:attrName>
-                                        </p:attrNameLst>
-                                      </p:cBhvr>
-                                      <p:to>
-                                        <p:strVal val="visible"/>
-                                      </p:to>
-                                    </p:set>
-                                    <p:animEffect transition="in" filter="fade">
-                                      <p:cBhvr>
-                                        <p:cTn id="7" dur="500"/>
-                                        <p:tgtEl>
-                                          <p:spTgt spid="1026"/>
-                                        </p:tgtEl>
-                                      </p:cBhvr>
-                                    </p:animEffect>
-                                  </p:childTnLst>
-                                </p:cTn>
-                              </p:par>
-                              <p:par>
-                                <p:cTn id="8" presetID="10" presetClass="entr" presetSubtype="0" fill="hold" nodeType="withEffect">
-                                  <p:stCondLst>
-                                    <p:cond delay="0"/>
-                                  </p:stCondLst>
-                                  <p:childTnLst>
-                                    <p:set>
-                                      <p:cBhvr>
-                                        <p:cTn id="9" dur="1" fill="hold">
-                                          <p:stCondLst>
-                                            <p:cond delay="0"/>
-                                          </p:stCondLst>
-                                        </p:cTn>
-                                        <p:tgtEl>
-                                          <p:spTgt spid="1028"/>
-                                        </p:tgtEl>
-                                        <p:attrNameLst>
-                                          <p:attrName>style.visibility</p:attrName>
-                                        </p:attrNameLst>
-                                      </p:cBhvr>
-                                      <p:to>
-                                        <p:strVal val="visible"/>
-                                      </p:to>
-                                    </p:set>
-                                    <p:animEffect transition="in" filter="fade">
-                                      <p:cBhvr>
-                                        <p:cTn id="10" dur="500"/>
-                                        <p:tgtEl>
-                                          <p:spTgt spid="1028"/>
-                                        </p:tgtEl>
-                                      </p:cBhvr>
-                                    </p:animEffect>
-                                  </p:childTnLst>
-                                </p:cTn>
-                              </p:par>
-                              <p:par>
-                                <p:cTn id="11" presetID="10" presetClass="entr" presetSubtype="0" fill="hold" nodeType="withEffect">
-                                  <p:stCondLst>
-                                    <p:cond delay="0"/>
-                                  </p:stCondLst>
-                                  <p:childTnLst>
-                                    <p:set>
-                                      <p:cBhvr>
-                                        <p:cTn id="12" dur="1" fill="hold">
-                                          <p:stCondLst>
-                                            <p:cond delay="0"/>
-                                          </p:stCondLst>
-                                        </p:cTn>
-                                        <p:tgtEl>
-                                          <p:spTgt spid="1030"/>
-                                        </p:tgtEl>
-                                        <p:attrNameLst>
-                                          <p:attrName>style.visibility</p:attrName>
-                                        </p:attrNameLst>
-                                      </p:cBhvr>
-                                      <p:to>
-                                        <p:strVal val="visible"/>
-                                      </p:to>
-                                    </p:set>
-                                    <p:animEffect transition="in" filter="fade">
-                                      <p:cBhvr>
-                                        <p:cTn id="13" dur="500"/>
-                                        <p:tgtEl>
-                                          <p:spTgt spid="1030"/>
-                                        </p:tgtEl>
-                                      </p:cBhvr>
-                                    </p:animEffect>
-                                  </p:childTnLst>
-                                </p:cTn>
-                              </p:par>
-                            </p:childTnLst>
-                          </p:cTn>
-                        </p:par>
-                      </p:childTnLst>
-                    </p:cTn>
-                  </p:par>
-                </p:childTnLst>
-              </p:cTn>
-              <p:prevCondLst>
-                <p:cond evt="onPrev" delay="0">
-                  <p:tgtEl>
-                    <p:sldTgt/>
-                  </p:tgtEl>
-                </p:cond>
-              </p:prevCondLst>
-              <p:nextCondLst>
-                <p:cond evt="onNext" delay="0">
-                  <p:tgtEl>
-                    <p:sldTgt/>
-                  </p:tgtEl>
-                </p:cond>
-              </p:nextCondLst>
-            </p:seq>
-          </p:childTnLst>
-        </p:cTn>
-      </p:par>
-    </p:tnLst>
   </p:timing>
 </p:sld>
 </file>
